--- a/en/ProgrammingLessons/beginner/scratch-PortView.pptx
+++ b/en/ProgrammingLessons/beginner/scratch-PortView.pptx
@@ -221,7 +221,7 @@
           <a:p>
             <a:fld id="{F8D9B3D7-15CB-9343-AA49-EFB5A8F33F18}" type="datetimeFigureOut">
               <a:rPr lang="en-US" smtClean="0"/>
-              <a:t>12/21/19</a:t>
+              <a:t>12/25/19</a:t>
             </a:fld>
             <a:endParaRPr lang="en-US"/>
           </a:p>
@@ -387,7 +387,7 @@
           <a:p>
             <a:fld id="{FD3EFF1E-85A1-6640-AFB9-C38833E80A84}" type="datetimeFigureOut">
               <a:rPr lang="en-US" smtClean="0"/>
-              <a:t>12/21/19</a:t>
+              <a:t>12/25/19</a:t>
             </a:fld>
             <a:endParaRPr lang="en-US"/>
           </a:p>
@@ -1059,7 +1059,7 @@
           <a:p>
             <a:fld id="{D65C98CD-3763-FC43-B85F-029450022F82}" type="datetime1">
               <a:rPr lang="en-US" smtClean="0"/>
-              <a:t>12/21/19</a:t>
+              <a:t>12/25/19</a:t>
             </a:fld>
             <a:endParaRPr lang="en-US"/>
           </a:p>
@@ -1450,35 +1450,6 @@
           </a:p>
         </p:txBody>
       </p:sp>
-      <p:pic>
-        <p:nvPicPr>
-          <p:cNvPr id="19" name="Picture 18" descr="A picture containing drawing&#10;&#10;Description automatically generated">
-            <a:extLst>
-              <a:ext uri="{FF2B5EF4-FFF2-40B4-BE49-F238E27FC236}">
-                <a16:creationId xmlns:a16="http://schemas.microsoft.com/office/drawing/2014/main" id="{9D6E0370-FAF9-2E45-A0CE-038C1FA57C15}"/>
-              </a:ext>
-            </a:extLst>
-          </p:cNvPr>
-          <p:cNvPicPr>
-            <a:picLocks noChangeAspect="1"/>
-          </p:cNvPicPr>
-          <p:nvPr userDrawn="1"/>
-        </p:nvPicPr>
-        <p:blipFill rotWithShape="1">
-          <a:blip r:embed="rId2"/>
-          <a:srcRect l="1617" t="7031" r="4033" b="8124"/>
-          <a:stretch/>
-        </p:blipFill>
-        <p:spPr>
-          <a:xfrm>
-            <a:off x="89513" y="25985"/>
-            <a:ext cx="8627349" cy="3250097"/>
-          </a:xfrm>
-          <a:prstGeom prst="rect">
-            <a:avLst/>
-          </a:prstGeom>
-        </p:spPr>
-      </p:pic>
     </p:spTree>
     <p:extLst>
       <p:ext uri="{BB962C8B-B14F-4D97-AF65-F5344CB8AC3E}">
@@ -1599,7 +1570,7 @@
           <a:p>
             <a:fld id="{42CED867-F6BC-E84A-A3C3-7A4AE3006820}" type="datetime1">
               <a:rPr lang="en-US" smtClean="0"/>
-              <a:t>12/21/19</a:t>
+              <a:t>12/25/19</a:t>
             </a:fld>
             <a:endParaRPr lang="en-US"/>
           </a:p>
@@ -1788,7 +1759,7 @@
           <a:p>
             <a:fld id="{C61AE921-CB30-BA40-A78D-EDE25C28B509}" type="datetime1">
               <a:rPr lang="en-US" smtClean="0"/>
-              <a:t>12/21/19</a:t>
+              <a:t>12/25/19</a:t>
             </a:fld>
             <a:endParaRPr lang="en-US"/>
           </a:p>
@@ -1989,7 +1960,7 @@
           <a:p>
             <a:fld id="{E47B4405-73FC-B44D-A323-A71C96EF7F4B}" type="datetime1">
               <a:rPr lang="en-US" smtClean="0"/>
-              <a:t>12/21/19</a:t>
+              <a:t>12/25/19</a:t>
             </a:fld>
             <a:endParaRPr lang="en-US"/>
           </a:p>
@@ -2160,7 +2131,7 @@
           <a:p>
             <a:fld id="{463DBBCA-7CD2-024B-A8AB-3EB857B49750}" type="datetime1">
               <a:rPr lang="en-US" smtClean="0"/>
-              <a:t>12/21/19</a:t>
+              <a:t>12/25/19</a:t>
             </a:fld>
             <a:endParaRPr lang="en-US"/>
           </a:p>
@@ -2408,7 +2379,7 @@
           <a:p>
             <a:fld id="{22886D7E-14D8-9244-916B-0A7C47B0273C}" type="datetime1">
               <a:rPr lang="en-US" smtClean="0"/>
-              <a:t>12/21/19</a:t>
+              <a:t>12/25/19</a:t>
             </a:fld>
             <a:endParaRPr lang="en-US"/>
           </a:p>
@@ -2640,7 +2611,7 @@
           <a:p>
             <a:fld id="{C8A697F4-23CF-8342-BD84-735AFA552369}" type="datetime1">
               <a:rPr lang="en-US" smtClean="0"/>
-              <a:t>12/21/19</a:t>
+              <a:t>12/25/19</a:t>
             </a:fld>
             <a:endParaRPr lang="en-US"/>
           </a:p>
@@ -3007,7 +2978,7 @@
           <a:p>
             <a:fld id="{646D4C82-724D-2E42-88FF-14D0D03CF8D2}" type="datetime1">
               <a:rPr lang="en-US" smtClean="0"/>
-              <a:t>12/21/19</a:t>
+              <a:t>12/25/19</a:t>
             </a:fld>
             <a:endParaRPr lang="en-US"/>
           </a:p>
@@ -3127,7 +3098,7 @@
           <a:p>
             <a:fld id="{A9FB480E-8F2B-4146-A157-1C8006E0F20A}" type="datetime1">
               <a:rPr lang="en-US" smtClean="0"/>
-              <a:t>12/21/19</a:t>
+              <a:t>12/25/19</a:t>
             </a:fld>
             <a:endParaRPr lang="en-US"/>
           </a:p>
@@ -3225,7 +3196,7 @@
           <a:p>
             <a:fld id="{C8661E39-CE49-B346-83F5-E8D2F9661316}" type="datetime1">
               <a:rPr lang="en-US" smtClean="0"/>
-              <a:t>12/21/19</a:t>
+              <a:t>12/25/19</a:t>
             </a:fld>
             <a:endParaRPr lang="en-US"/>
           </a:p>
@@ -3503,7 +3474,7 @@
           <a:p>
             <a:fld id="{34B670DF-538D-6844-B4C5-435F48485778}" type="datetime1">
               <a:rPr lang="en-US" smtClean="0"/>
-              <a:t>12/21/19</a:t>
+              <a:t>12/25/19</a:t>
             </a:fld>
             <a:endParaRPr lang="en-US"/>
           </a:p>
@@ -3685,7 +3656,7 @@
           <a:p>
             <a:fld id="{C3475516-32AA-864E-931E-C4181933E534}" type="datetime1">
               <a:rPr lang="en-US" smtClean="0"/>
-              <a:t>12/21/19</a:t>
+              <a:t>12/25/19</a:t>
             </a:fld>
             <a:endParaRPr lang="en-US"/>
           </a:p>
@@ -3951,7 +3922,7 @@
           <a:p>
             <a:fld id="{308E83A7-F256-8B47-AE8B-98F78FFC58DE}" type="datetime1">
               <a:rPr lang="en-US" smtClean="0"/>
-              <a:t>12/21/19</a:t>
+              <a:t>12/25/19</a:t>
             </a:fld>
             <a:endParaRPr lang="en-US"/>
           </a:p>
@@ -4122,7 +4093,7 @@
           <a:p>
             <a:fld id="{75F60695-4FD9-D644-B529-E1A389476C1E}" type="datetime1">
               <a:rPr lang="en-US" smtClean="0"/>
-              <a:t>12/21/19</a:t>
+              <a:t>12/25/19</a:t>
             </a:fld>
             <a:endParaRPr lang="en-US"/>
           </a:p>
@@ -4303,7 +4274,7 @@
           <a:p>
             <a:fld id="{A1EA6928-8110-A443-8506-79C62B9978EA}" type="datetime1">
               <a:rPr lang="en-US" smtClean="0"/>
-              <a:t>12/21/19</a:t>
+              <a:t>12/25/19</a:t>
             </a:fld>
             <a:endParaRPr lang="en-US"/>
           </a:p>
@@ -4560,7 +4531,7 @@
           <a:p>
             <a:fld id="{2A7F0ABA-2469-6B4A-921D-A7C9C7BE3FCB}" type="datetime1">
               <a:rPr lang="en-US" smtClean="0"/>
-              <a:t>12/21/19</a:t>
+              <a:t>12/25/19</a:t>
             </a:fld>
             <a:endParaRPr lang="en-US"/>
           </a:p>
@@ -4863,7 +4834,7 @@
           <a:p>
             <a:fld id="{34BB2A10-8A9F-4B45-9006-23151A5A9850}" type="datetime1">
               <a:rPr lang="en-US" smtClean="0"/>
-              <a:t>12/21/19</a:t>
+              <a:t>12/25/19</a:t>
             </a:fld>
             <a:endParaRPr lang="en-US"/>
           </a:p>
@@ -5317,7 +5288,7 @@
           <a:p>
             <a:fld id="{45BC4A24-32BE-114B-A326-CBB2AEFFB9A2}" type="datetime1">
               <a:rPr lang="en-US" smtClean="0"/>
-              <a:t>12/21/19</a:t>
+              <a:t>12/25/19</a:t>
             </a:fld>
             <a:endParaRPr lang="en-US"/>
           </a:p>
@@ -5445,7 +5416,7 @@
           <a:p>
             <a:fld id="{B8C66745-48F9-5248-B404-803B54F5DEAE}" type="datetime1">
               <a:rPr lang="en-US" smtClean="0"/>
-              <a:t>12/21/19</a:t>
+              <a:t>12/25/19</a:t>
             </a:fld>
             <a:endParaRPr lang="en-US"/>
           </a:p>
@@ -5551,7 +5522,7 @@
           <a:p>
             <a:fld id="{880BBAB5-93B8-ED4B-B1EA-188E72E49283}" type="datetime1">
               <a:rPr lang="en-US" smtClean="0"/>
-              <a:t>12/21/19</a:t>
+              <a:t>12/25/19</a:t>
             </a:fld>
             <a:endParaRPr lang="en-US"/>
           </a:p>
@@ -5809,7 +5780,7 @@
           <a:p>
             <a:fld id="{AC173EF5-922E-E043-ABC9-CA28006289C1}" type="datetime1">
               <a:rPr lang="en-US" smtClean="0"/>
-              <a:t>12/21/19</a:t>
+              <a:t>12/25/19</a:t>
             </a:fld>
             <a:endParaRPr lang="en-US"/>
           </a:p>
@@ -6117,7 +6088,7 @@
           <a:p>
             <a:fld id="{564A549A-68A7-EF48-98D6-C2A7256581B1}" type="datetime1">
               <a:rPr lang="en-US" smtClean="0"/>
-              <a:t>12/21/19</a:t>
+              <a:t>12/25/19</a:t>
             </a:fld>
             <a:endParaRPr lang="en-US"/>
           </a:p>
@@ -6427,7 +6398,7 @@
           <a:p>
             <a:fld id="{7E24023D-2BDC-4348-843F-C53FB1CD9AF4}" type="datetime1">
               <a:rPr lang="en-US" smtClean="0"/>
-              <a:t>12/21/19</a:t>
+              <a:t>12/25/19</a:t>
             </a:fld>
             <a:endParaRPr lang="en-US"/>
           </a:p>
@@ -7203,7 +7174,7 @@
           <a:p>
             <a:fld id="{C663EAD0-E3F5-F344-AF1A-F4C297E05768}" type="datetime1">
               <a:rPr lang="en-US" smtClean="0"/>
-              <a:t>12/21/19</a:t>
+              <a:t>12/25/19</a:t>
             </a:fld>
             <a:endParaRPr lang="en-US"/>
           </a:p>
@@ -7622,13 +7593,26 @@
             <p:ph type="subTitle" idx="1"/>
           </p:nvPr>
         </p:nvSpPr>
-        <p:spPr/>
-        <p:txBody>
-          <a:bodyPr/>
-          <a:lstStyle/>
-          <a:p>
-            <a:r>
-              <a:rPr lang="en-US" dirty="0"/>
+        <p:spPr>
+          <a:xfrm>
+            <a:off x="1143000" y="3229796"/>
+            <a:ext cx="6858000" cy="914400"/>
+          </a:xfrm>
+        </p:spPr>
+        <p:txBody>
+          <a:bodyPr>
+            <a:normAutofit lnSpcReduction="10000"/>
+          </a:bodyPr>
+          <a:lstStyle/>
+          <a:p>
+            <a:r>
+              <a:rPr lang="en-US" sz="2400" dirty="0"/>
+              <a:t>EV3 Classroom: </a:t>
+            </a:r>
+          </a:p>
+          <a:p>
+            <a:r>
+              <a:rPr lang="en-US" sz="2400" dirty="0"/>
               <a:t>Port View &amp; Using Sensor Data</a:t>
             </a:r>
           </a:p>
@@ -7636,33 +7620,91 @@
       </p:sp>
       <p:sp>
         <p:nvSpPr>
-          <p:cNvPr id="3" name="Title 2"/>
-          <p:cNvSpPr>
-            <a:spLocks noGrp="1"/>
-          </p:cNvSpPr>
-          <p:nvPr>
-            <p:ph type="ctrTitle"/>
-          </p:nvPr>
-        </p:nvSpPr>
-        <p:spPr/>
-        <p:txBody>
-          <a:bodyPr/>
-          <a:lstStyle/>
-          <a:p>
-            <a:pPr algn="ctr"/>
-            <a:r>
-              <a:rPr lang="en-US" dirty="0"/>
+          <p:cNvPr id="7" name="Title 1">
+            <a:extLst>
+              <a:ext uri="{FF2B5EF4-FFF2-40B4-BE49-F238E27FC236}">
+                <a16:creationId xmlns:a16="http://schemas.microsoft.com/office/drawing/2014/main" id="{E5FF5EE8-C069-E543-8B10-F598ECAE4202}"/>
+              </a:ext>
+            </a:extLst>
+          </p:cNvPr>
+          <p:cNvSpPr txBox="1">
+            <a:spLocks/>
+          </p:cNvSpPr>
+          <p:nvPr/>
+        </p:nvSpPr>
+        <p:spPr>
+          <a:xfrm>
+            <a:off x="4868091" y="272833"/>
+            <a:ext cx="3897684" cy="1598052"/>
+          </a:xfrm>
+          <a:prstGeom prst="rect">
+            <a:avLst/>
+          </a:prstGeom>
+        </p:spPr>
+        <p:txBody>
+          <a:bodyPr vert="horz" lIns="91440" tIns="45720" rIns="91440" bIns="45720" rtlCol="0" anchor="t" anchorCtr="0">
+            <a:noAutofit/>
+          </a:bodyPr>
+          <a:lstStyle>
+            <a:lvl1pPr algn="l" defTabSz="914400" rtl="0" eaLnBrk="1" latinLnBrk="0" hangingPunct="1">
+              <a:spcBef>
+                <a:spcPct val="0"/>
+              </a:spcBef>
+              <a:buNone/>
+              <a:defRPr sz="2800" kern="1200" cap="all" spc="-60" baseline="0">
+                <a:solidFill>
+                  <a:schemeClr val="tx2"/>
+                </a:solidFill>
+                <a:latin typeface="+mj-lt"/>
+                <a:ea typeface="+mj-ea"/>
+                <a:cs typeface="+mj-cs"/>
+              </a:defRPr>
+            </a:lvl1pPr>
+          </a:lstStyle>
+          <a:p>
+            <a:r>
+              <a:rPr lang="en-US" sz="3200"/>
               <a:t>BEGINNER PROGRAMMING LESSON</a:t>
             </a:r>
+            <a:endParaRPr lang="en-US" sz="3200" dirty="0"/>
           </a:p>
         </p:txBody>
       </p:sp>
       <p:pic>
         <p:nvPicPr>
-          <p:cNvPr id="5" name="Picture 4" descr="A close up of a sign&#10;&#10;Description automatically generated">
+          <p:cNvPr id="8" name="Picture 7" descr="A picture containing drawing&#10;&#10;Description automatically generated">
             <a:extLst>
               <a:ext uri="{FF2B5EF4-FFF2-40B4-BE49-F238E27FC236}">
-                <a16:creationId xmlns:a16="http://schemas.microsoft.com/office/drawing/2014/main" id="{6547C669-81B1-7147-AB07-64C2B4EE3DA7}"/>
+                <a16:creationId xmlns:a16="http://schemas.microsoft.com/office/drawing/2014/main" id="{9717D218-3BF8-514A-922C-C0E72CCA6E05}"/>
+              </a:ext>
+            </a:extLst>
+          </p:cNvPr>
+          <p:cNvPicPr>
+            <a:picLocks noChangeAspect="1"/>
+          </p:cNvPicPr>
+          <p:nvPr/>
+        </p:nvPicPr>
+        <p:blipFill rotWithShape="1">
+          <a:blip r:embed="rId2"/>
+          <a:srcRect l="1617" t="7031" r="4033" b="8124"/>
+          <a:stretch/>
+        </p:blipFill>
+        <p:spPr>
+          <a:xfrm>
+            <a:off x="129863" y="209018"/>
+            <a:ext cx="4442137" cy="1673443"/>
+          </a:xfrm>
+          <a:prstGeom prst="rect">
+            <a:avLst/>
+          </a:prstGeom>
+        </p:spPr>
+      </p:pic>
+      <p:pic>
+        <p:nvPicPr>
+          <p:cNvPr id="9" name="Picture 8" descr="A close up of a sign&#10;&#10;Description automatically generated">
+            <a:extLst>
+              <a:ext uri="{FF2B5EF4-FFF2-40B4-BE49-F238E27FC236}">
+                <a16:creationId xmlns:a16="http://schemas.microsoft.com/office/drawing/2014/main" id="{CBE7B559-8FE2-D341-8B67-087CEBB52AC9}"/>
               </a:ext>
             </a:extLst>
           </p:cNvPr>
@@ -7672,15 +7714,21 @@
           <p:nvPr/>
         </p:nvPicPr>
         <p:blipFill>
-          <a:blip r:embed="rId2"/>
+          <a:blip r:embed="rId3">
+            <a:extLst>
+              <a:ext uri="{28A0092B-C50C-407E-A947-70E740481C1C}">
+                <a14:useLocalDpi xmlns:a14="http://schemas.microsoft.com/office/drawing/2010/main" val="0"/>
+              </a:ext>
+            </a:extLst>
+          </a:blip>
           <a:stretch>
             <a:fillRect/>
           </a:stretch>
         </p:blipFill>
         <p:spPr>
-          <a:xfrm rot="905751">
-            <a:off x="7428181" y="371720"/>
-            <a:ext cx="1124670" cy="1101589"/>
+          <a:xfrm>
+            <a:off x="3730120" y="4883748"/>
+            <a:ext cx="1444298" cy="1444298"/>
           </a:xfrm>
           <a:prstGeom prst="rect">
             <a:avLst/>
